--- a/lectures/L3_data_regularization_for_single_nn.pptx
+++ b/lectures/L3_data_regularization_for_single_nn.pptx
@@ -5,7 +5,7 @@
     <p:sldMasterId id="2147483660" r:id="rId1"/>
   </p:sldMasterIdLst>
   <p:notesMasterIdLst>
-    <p:notesMasterId r:id="rId15"/>
+    <p:notesMasterId r:id="rId14"/>
   </p:notesMasterIdLst>
   <p:sldIdLst>
     <p:sldId id="256" r:id="rId2"/>
@@ -20,7 +20,6 @@
     <p:sldId id="265" r:id="rId11"/>
     <p:sldId id="266" r:id="rId12"/>
     <p:sldId id="267" r:id="rId13"/>
-    <p:sldId id="268" r:id="rId14"/>
   </p:sldIdLst>
   <p:sldSz cx="9144000" cy="6858000" type="screen4x3"/>
   <p:notesSz cx="6858000" cy="9144000"/>
@@ -4630,17 +4629,70 @@
               <a:rPr lang="en-US" sz="2000" u="sng" dirty="0" smtClean="0"/>
               <a:t>Topics:</a:t>
             </a:r>
-            <a:r>
-              <a:rPr lang="en-US" sz="2000" u="sng" smtClean="0"/>
+            <a:br>
+              <a:rPr lang="en-US" sz="2000" u="sng" dirty="0" smtClean="0"/>
+            </a:br>
+            <a:r>
+              <a:rPr lang="en-US" sz="2000" dirty="0" smtClean="0"/>
+              <a:t>- Taylor Series</a:t>
+            </a:r>
+            <a:br>
+              <a:rPr lang="en-US" sz="2000" dirty="0" smtClean="0"/>
+            </a:br>
+            <a:r>
+              <a:rPr lang="en-US" sz="2000" dirty="0" smtClean="0"/>
+              <a:t>- What is supervised Machine Learning</a:t>
+            </a:r>
+            <a:br>
+              <a:rPr lang="en-US" sz="2000" dirty="0" smtClean="0"/>
+            </a:br>
+            <a:r>
+              <a:rPr lang="en-US" sz="2000" dirty="0" smtClean="0"/>
+              <a:t>- Engineering problems around Machine Learning</a:t>
+            </a:r>
+            <a:br>
+              <a:rPr lang="en-US" sz="2000" dirty="0" smtClean="0"/>
+            </a:br>
+            <a:r>
+              <a:rPr lang="en-US" sz="2000" dirty="0" smtClean="0"/>
+              <a:t>- Geometric interpretation of bias-variance trade-off</a:t>
+            </a:r>
+            <a:br>
+              <a:rPr lang="en-US" sz="2000" dirty="0" smtClean="0"/>
+            </a:br>
+            <a:r>
+              <a:rPr lang="en-US" sz="2000" dirty="0" smtClean="0"/>
+              <a:t>- Data-matrix</a:t>
+            </a:r>
+            <a:br>
+              <a:rPr lang="en-US" sz="2000" dirty="0" smtClean="0"/>
+            </a:br>
+            <a:r>
+              <a:rPr lang="en-US" sz="2000" dirty="0" smtClean="0"/>
+              <a:t>- Notion </a:t>
+            </a:r>
+            <a:r>
+              <a:rPr lang="en-US" sz="2000" smtClean="0"/>
+              <a:t>of regularization</a:t>
+            </a:r>
+            <a:r>
+              <a:rPr lang="en-US" sz="2000" dirty="0" smtClean="0"/>
               <a:t/>
             </a:r>
             <a:br>
-              <a:rPr lang="en-US" sz="2000" u="sng" smtClean="0"/>
+              <a:rPr lang="en-US" sz="2000" dirty="0" smtClean="0"/>
             </a:br>
             <a:r>
-              <a:rPr lang="en-US" sz="2000" smtClean="0"/>
-              <a:t>TO FILL</a:t>
-            </a:r>
+              <a:rPr lang="en-US" sz="2000" dirty="0" smtClean="0"/>
+              <a:t> </a:t>
+            </a:r>
+            <a:r>
+              <a:rPr lang="en-US" sz="2000" dirty="0" smtClean="0"/>
+              <a:t/>
+            </a:r>
+            <a:br>
+              <a:rPr lang="en-US" sz="2000" dirty="0" smtClean="0"/>
+            </a:br>
             <a:r>
               <a:rPr lang="en-US" sz="2000" dirty="0"/>
               <a:t/>
@@ -5270,596 +5322,6 @@
     <p:extLst>
       <p:ext uri="{BB962C8B-B14F-4D97-AF65-F5344CB8AC3E}">
         <p14:creationId xmlns:p14="http://schemas.microsoft.com/office/powerpoint/2010/main" val="33011958"/>
-      </p:ext>
-    </p:extLst>
-  </p:cSld>
-  <p:clrMapOvr>
-    <a:masterClrMapping/>
-  </p:clrMapOvr>
-</p:sld>
-</file>
-
-<file path=ppt/slides/slide13.xml><?xml version="1.0" encoding="utf-8"?>
-<p:sld xmlns:a="http://schemas.openxmlformats.org/drawingml/2006/main" xmlns:r="http://schemas.openxmlformats.org/officeDocument/2006/relationships" xmlns:p="http://schemas.openxmlformats.org/presentationml/2006/main">
-  <p:cSld>
-    <p:spTree>
-      <p:nvGrpSpPr>
-        <p:cNvPr id="1" name=""/>
-        <p:cNvGrpSpPr/>
-        <p:nvPr/>
-      </p:nvGrpSpPr>
-      <p:grpSpPr>
-        <a:xfrm>
-          <a:off x="0" y="0"/>
-          <a:ext cx="0" cy="0"/>
-          <a:chOff x="0" y="0"/>
-          <a:chExt cx="0" cy="0"/>
-        </a:xfrm>
-      </p:grpSpPr>
-      <p:sp>
-        <p:nvSpPr>
-          <p:cNvPr id="2" name="Заголовок 1"/>
-          <p:cNvSpPr>
-            <a:spLocks noGrp="1"/>
-          </p:cNvSpPr>
-          <p:nvPr>
-            <p:ph type="title"/>
-          </p:nvPr>
-        </p:nvSpPr>
-        <p:spPr/>
-        <p:txBody>
-          <a:bodyPr>
-            <a:normAutofit/>
-          </a:bodyPr>
-          <a:lstStyle/>
-          <a:p>
-            <a:r>
-              <a:rPr lang="en-US" dirty="0"/>
-              <a:t>K fold </a:t>
-            </a:r>
-            <a:r>
-              <a:rPr lang="en-US" dirty="0" smtClean="0"/>
-              <a:t>cross-validation</a:t>
-            </a:r>
-            <a:endParaRPr lang="ru-RU" dirty="0"/>
-          </a:p>
-        </p:txBody>
-      </p:sp>
-      <mc:AlternateContent xmlns:mc="http://schemas.openxmlformats.org/markup-compatibility/2006" xmlns:a14="http://schemas.microsoft.com/office/drawing/2010/main">
-        <mc:Choice Requires="a14">
-          <p:sp>
-            <p:nvSpPr>
-              <p:cNvPr id="3" name="Объект 2"/>
-              <p:cNvSpPr>
-                <a:spLocks noGrp="1"/>
-              </p:cNvSpPr>
-              <p:nvPr>
-                <p:ph idx="1"/>
-              </p:nvPr>
-            </p:nvSpPr>
-            <p:spPr/>
-            <p:txBody>
-              <a:bodyPr>
-                <a:normAutofit/>
-              </a:bodyPr>
-              <a:lstStyle/>
-              <a:p>
-                <a:r>
-                  <a:rPr lang="en-US" sz="1600" dirty="0"/>
-                  <a:t>One way to mitigate problems with simple cross-validation is use K-fold cross-validation.</a:t>
-                </a:r>
-                <a:endParaRPr lang="ru-RU" sz="1600" dirty="0"/>
-              </a:p>
-              <a:p>
-                <a:endParaRPr lang="en-US" sz="1600" dirty="0" smtClean="0"/>
-              </a:p>
-              <a:p>
-                <a:r>
-                  <a:rPr lang="en-US" sz="1600" dirty="0" smtClean="0"/>
-                  <a:t>This </a:t>
-                </a:r>
-                <a:r>
-                  <a:rPr lang="en-US" sz="1600" dirty="0"/>
-                  <a:t>technic allow to have a data manipulating schema when number of observation is not very big or even limited and we can not make train set and test set as big as we want</a:t>
-                </a:r>
-                <a:r>
-                  <a:rPr lang="en-US" sz="1600" dirty="0" smtClean="0"/>
-                  <a:t>.</a:t>
-                </a:r>
-              </a:p>
-              <a:p>
-                <a:pPr marL="118872" indent="0">
-                  <a:buNone/>
-                </a:pPr>
-                <a:endParaRPr lang="ru-RU" sz="1600" dirty="0"/>
-              </a:p>
-              <a:p>
-                <a:r>
-                  <a:rPr lang="en-US" sz="1600" b="1" dirty="0" smtClean="0"/>
-                  <a:t>Algorithm</a:t>
-                </a:r>
-                <a:r>
-                  <a:rPr lang="en-US" sz="1600" b="1" dirty="0"/>
-                  <a:t>:</a:t>
-                </a:r>
-                <a:endParaRPr lang="ru-RU" sz="1600" b="1" dirty="0"/>
-              </a:p>
-              <a:p>
-                <a:pPr marL="118872" indent="0">
-                  <a:buNone/>
-                </a:pPr>
-                <a:r>
-                  <a:rPr lang="en-US" sz="1600" b="1" dirty="0"/>
-                  <a:t>1.</a:t>
-                </a:r>
-                <a:r>
-                  <a:rPr lang="en-US" sz="1600" dirty="0"/>
-                  <a:t> Split available data into K disjoint folds(or groups, or subsets): </a:t>
-                </a:r>
-                <a14:m>
-                  <m:oMath xmlns:m="http://schemas.openxmlformats.org/officeDocument/2006/math">
-                    <m:sSub>
-                      <m:sSubPr>
-                        <m:ctrlPr>
-                          <a:rPr lang="ru-RU" sz="1600" i="1">
-                            <a:latin typeface="Cambria Math"/>
-                          </a:rPr>
-                        </m:ctrlPr>
-                      </m:sSubPr>
-                      <m:e>
-                        <m:r>
-                          <a:rPr lang="en-US" sz="1600" i="1">
-                            <a:latin typeface="Cambria Math"/>
-                          </a:rPr>
-                          <m:t>𝐷</m:t>
-                        </m:r>
-                      </m:e>
-                      <m:sub>
-                        <m:r>
-                          <a:rPr lang="en-US" sz="1600" i="1">
-                            <a:latin typeface="Cambria Math"/>
-                          </a:rPr>
-                          <m:t>1</m:t>
-                        </m:r>
-                      </m:sub>
-                    </m:sSub>
-                    <m:r>
-                      <a:rPr lang="en-US" sz="1600" i="1">
-                        <a:latin typeface="Cambria Math"/>
-                      </a:rPr>
-                      <m:t>,</m:t>
-                    </m:r>
-                    <m:sSub>
-                      <m:sSubPr>
-                        <m:ctrlPr>
-                          <a:rPr lang="ru-RU" sz="1600" i="1">
-                            <a:latin typeface="Cambria Math"/>
-                          </a:rPr>
-                        </m:ctrlPr>
-                      </m:sSubPr>
-                      <m:e>
-                        <m:r>
-                          <a:rPr lang="en-US" sz="1600" i="1">
-                            <a:latin typeface="Cambria Math"/>
-                          </a:rPr>
-                          <m:t>𝐷</m:t>
-                        </m:r>
-                      </m:e>
-                      <m:sub>
-                        <m:r>
-                          <a:rPr lang="en-US" sz="1600" i="1">
-                            <a:latin typeface="Cambria Math"/>
-                          </a:rPr>
-                          <m:t>2</m:t>
-                        </m:r>
-                      </m:sub>
-                    </m:sSub>
-                    <m:r>
-                      <a:rPr lang="en-US" sz="1600" i="1">
-                        <a:latin typeface="Cambria Math"/>
-                      </a:rPr>
-                      <m:t>,…,</m:t>
-                    </m:r>
-                    <m:sSub>
-                      <m:sSubPr>
-                        <m:ctrlPr>
-                          <a:rPr lang="ru-RU" sz="1600" i="1">
-                            <a:latin typeface="Cambria Math"/>
-                          </a:rPr>
-                        </m:ctrlPr>
-                      </m:sSubPr>
-                      <m:e>
-                        <m:r>
-                          <a:rPr lang="en-US" sz="1600" i="1">
-                            <a:latin typeface="Cambria Math"/>
-                          </a:rPr>
-                          <m:t>𝐷</m:t>
-                        </m:r>
-                      </m:e>
-                      <m:sub>
-                        <m:r>
-                          <a:rPr lang="en-US" sz="1600" i="1">
-                            <a:latin typeface="Cambria Math"/>
-                          </a:rPr>
-                          <m:t>𝑘</m:t>
-                        </m:r>
-                      </m:sub>
-                    </m:sSub>
-                  </m:oMath>
-                </a14:m>
-                <a:r>
-                  <a:rPr lang="en-US" sz="1600" dirty="0"/>
-                  <a:t> which are in the union gives original available data. For example typical case K = 10</a:t>
-                </a:r>
-                <a:endParaRPr lang="ru-RU" sz="1600" dirty="0"/>
-              </a:p>
-              <a:p>
-                <a:pPr marL="118872" indent="0">
-                  <a:buNone/>
-                </a:pPr>
-                <a:endParaRPr lang="en-US" sz="1600" b="1" dirty="0" smtClean="0"/>
-              </a:p>
-              <a:p>
-                <a:pPr marL="118872" indent="0">
-                  <a:buNone/>
-                </a:pPr>
-                <a:r>
-                  <a:rPr lang="en-US" sz="1600" b="1" dirty="0" smtClean="0"/>
-                  <a:t>2</a:t>
-                </a:r>
-                <a:r>
-                  <a:rPr lang="en-US" sz="1600" b="1" dirty="0"/>
-                  <a:t>.</a:t>
-                </a:r>
-                <a:r>
-                  <a:rPr lang="en-US" sz="1600" dirty="0"/>
-                  <a:t> For </a:t>
-                </a:r>
-                <a14:m>
-                  <m:oMath xmlns:m="http://schemas.openxmlformats.org/officeDocument/2006/math">
-                    <m:r>
-                      <a:rPr lang="en-US" sz="1600" i="1">
-                        <a:latin typeface="Cambria Math"/>
-                      </a:rPr>
-                      <m:t>=</m:t>
-                    </m:r>
-                    <m:acc>
-                      <m:accPr>
-                        <m:chr m:val="̅"/>
-                        <m:ctrlPr>
-                          <a:rPr lang="ru-RU" sz="1600" i="1">
-                            <a:latin typeface="Cambria Math"/>
-                          </a:rPr>
-                        </m:ctrlPr>
-                      </m:accPr>
-                      <m:e>
-                        <m:r>
-                          <a:rPr lang="en-US" sz="1600" i="1">
-                            <a:latin typeface="Cambria Math"/>
-                          </a:rPr>
-                          <m:t>1,</m:t>
-                        </m:r>
-                        <m:r>
-                          <a:rPr lang="en-US" sz="1600" i="1">
-                            <a:latin typeface="Cambria Math"/>
-                          </a:rPr>
-                          <m:t>𝐾</m:t>
-                        </m:r>
-                      </m:e>
-                    </m:acc>
-                  </m:oMath>
-                </a14:m>
-                <a:r>
-                  <a:rPr lang="en-US" sz="1600" dirty="0"/>
-                  <a:t> :</a:t>
-                </a:r>
-                <a:endParaRPr lang="ru-RU" sz="1600" dirty="0"/>
-              </a:p>
-              <a:p>
-                <a:pPr marL="118872" indent="0">
-                  <a:buNone/>
-                </a:pPr>
-                <a:r>
-                  <a:rPr lang="en-US" sz="1600" dirty="0" smtClean="0"/>
-                  <a:t>Train </a:t>
-                </a:r>
-                <a:r>
-                  <a:rPr lang="en-US" sz="1600" dirty="0"/>
-                  <a:t>each Predictor (or Model) on Train </a:t>
-                </a:r>
-                <a14:m>
-                  <m:oMath xmlns:m="http://schemas.openxmlformats.org/officeDocument/2006/math">
-                    <m:d>
-                      <m:dPr>
-                        <m:ctrlPr>
-                          <a:rPr lang="ru-RU" sz="1600" i="1">
-                            <a:latin typeface="Cambria Math"/>
-                          </a:rPr>
-                        </m:ctrlPr>
-                      </m:dPr>
-                      <m:e>
-                        <m:nary>
-                          <m:naryPr>
-                            <m:chr m:val="⋃"/>
-                            <m:supHide m:val="on"/>
-                            <m:ctrlPr>
-                              <a:rPr lang="ru-RU" sz="1600" i="1">
-                                <a:latin typeface="Cambria Math"/>
-                              </a:rPr>
-                            </m:ctrlPr>
-                          </m:naryPr>
-                          <m:sub>
-                            <m:r>
-                              <a:rPr lang="en-US" sz="1600" i="1">
-                                <a:latin typeface="Cambria Math"/>
-                              </a:rPr>
-                              <m:t>𝑖</m:t>
-                            </m:r>
-                          </m:sub>
-                          <m:sup/>
-                          <m:e>
-                            <m:sSub>
-                              <m:sSubPr>
-                                <m:ctrlPr>
-                                  <a:rPr lang="ru-RU" sz="1600" i="1">
-                                    <a:latin typeface="Cambria Math"/>
-                                  </a:rPr>
-                                </m:ctrlPr>
-                              </m:sSubPr>
-                              <m:e>
-                                <m:r>
-                                  <a:rPr lang="en-US" sz="1600" i="1">
-                                    <a:latin typeface="Cambria Math"/>
-                                  </a:rPr>
-                                  <m:t>𝐷</m:t>
-                                </m:r>
-                              </m:e>
-                              <m:sub>
-                                <m:r>
-                                  <a:rPr lang="en-US" sz="1600" i="1">
-                                    <a:latin typeface="Cambria Math"/>
-                                  </a:rPr>
-                                  <m:t>𝑖</m:t>
-                                </m:r>
-                              </m:sub>
-                            </m:sSub>
-                          </m:e>
-                        </m:nary>
-                      </m:e>
-                    </m:d>
-                    <m:r>
-                      <a:rPr lang="en-US" sz="1600" i="1">
-                        <a:latin typeface="Cambria Math"/>
-                      </a:rPr>
-                      <m:t>/</m:t>
-                    </m:r>
-                    <m:sSub>
-                      <m:sSubPr>
-                        <m:ctrlPr>
-                          <a:rPr lang="ru-RU" sz="1600" i="1">
-                            <a:latin typeface="Cambria Math"/>
-                          </a:rPr>
-                        </m:ctrlPr>
-                      </m:sSubPr>
-                      <m:e>
-                        <m:r>
-                          <a:rPr lang="en-US" sz="1600" i="1">
-                            <a:latin typeface="Cambria Math"/>
-                          </a:rPr>
-                          <m:t>𝐷</m:t>
-                        </m:r>
-                      </m:e>
-                      <m:sub>
-                        <m:r>
-                          <a:rPr lang="en-US" sz="1600" i="1">
-                            <a:latin typeface="Cambria Math"/>
-                          </a:rPr>
-                          <m:t>𝑗</m:t>
-                        </m:r>
-                      </m:sub>
-                    </m:sSub>
-                  </m:oMath>
-                </a14:m>
-                <a:r>
-                  <a:rPr lang="en-US" sz="1600" dirty="0"/>
-                  <a:t> and evaluate empirical loss on Test </a:t>
-                </a:r>
-                <a14:m>
-                  <m:oMath xmlns:m="http://schemas.openxmlformats.org/officeDocument/2006/math">
-                    <m:sSub>
-                      <m:sSubPr>
-                        <m:ctrlPr>
-                          <a:rPr lang="ru-RU" sz="1600" i="1">
-                            <a:latin typeface="Cambria Math"/>
-                          </a:rPr>
-                        </m:ctrlPr>
-                      </m:sSubPr>
-                      <m:e>
-                        <m:r>
-                          <a:rPr lang="en-US" sz="1600" i="1">
-                            <a:latin typeface="Cambria Math"/>
-                          </a:rPr>
-                          <m:t>𝐷</m:t>
-                        </m:r>
-                      </m:e>
-                      <m:sub>
-                        <m:r>
-                          <a:rPr lang="en-US" sz="1600" i="1">
-                            <a:latin typeface="Cambria Math"/>
-                          </a:rPr>
-                          <m:t>𝑗</m:t>
-                        </m:r>
-                      </m:sub>
-                    </m:sSub>
-                  </m:oMath>
-                </a14:m>
-                <a:r>
-                  <a:rPr lang="en-US" sz="1600" dirty="0"/>
-                  <a:t>.</a:t>
-                </a:r>
-                <a:endParaRPr lang="ru-RU" sz="1600" dirty="0"/>
-              </a:p>
-              <a:p>
-                <a:pPr marL="118872" indent="0">
-                  <a:buNone/>
-                </a:pPr>
-                <a:endParaRPr lang="en-US" sz="1600" b="1" dirty="0" smtClean="0"/>
-              </a:p>
-              <a:p>
-                <a:pPr marL="118872" indent="0">
-                  <a:buNone/>
-                </a:pPr>
-                <a:r>
-                  <a:rPr lang="en-US" sz="1600" b="1" dirty="0" smtClean="0"/>
-                  <a:t>3</a:t>
-                </a:r>
-                <a:r>
-                  <a:rPr lang="en-US" sz="1600" b="1" dirty="0"/>
-                  <a:t>.</a:t>
-                </a:r>
-                <a:r>
-                  <a:rPr lang="en-US" sz="1600" dirty="0"/>
-                  <a:t> For each predictor average empirical loss on all test set </a:t>
-                </a:r>
-                <a14:m>
-                  <m:oMath xmlns:m="http://schemas.openxmlformats.org/officeDocument/2006/math">
-                    <m:sSub>
-                      <m:sSubPr>
-                        <m:ctrlPr>
-                          <a:rPr lang="ru-RU" sz="1600" i="1">
-                            <a:latin typeface="Cambria Math"/>
-                          </a:rPr>
-                        </m:ctrlPr>
-                      </m:sSubPr>
-                      <m:e>
-                        <m:r>
-                          <a:rPr lang="en-US" sz="1600" i="1">
-                            <a:latin typeface="Cambria Math"/>
-                          </a:rPr>
-                          <m:t>𝐷</m:t>
-                        </m:r>
-                      </m:e>
-                      <m:sub>
-                        <m:r>
-                          <a:rPr lang="en-US" sz="1600" i="1">
-                            <a:latin typeface="Cambria Math"/>
-                          </a:rPr>
-                          <m:t>𝑗</m:t>
-                        </m:r>
-                      </m:sub>
-                    </m:sSub>
-                  </m:oMath>
-                </a14:m>
-                <a:r>
-                  <a:rPr lang="en-US" sz="1600" dirty="0"/>
-                  <a:t>. It is an estimation of generalization error.</a:t>
-                </a:r>
-                <a:endParaRPr lang="ru-RU" sz="1600" dirty="0"/>
-              </a:p>
-              <a:p>
-                <a:pPr marL="118872" indent="0">
-                  <a:buNone/>
-                </a:pPr>
-                <a:endParaRPr lang="en-US" sz="1600" dirty="0" smtClean="0"/>
-              </a:p>
-              <a:p>
-                <a:pPr marL="118872" indent="0">
-                  <a:buNone/>
-                </a:pPr>
-                <a:r>
-                  <a:rPr lang="en-US" sz="1600" dirty="0" smtClean="0"/>
-                  <a:t>Here </a:t>
-                </a:r>
-                <a:r>
-                  <a:rPr lang="en-US" sz="1600" dirty="0"/>
-                  <a:t>cross-validation estimate the performance of the actual predicting.</a:t>
-                </a:r>
-                <a:endParaRPr lang="ru-RU" sz="1600" dirty="0"/>
-              </a:p>
-              <a:p>
-                <a:pPr marL="118872" indent="0">
-                  <a:buNone/>
-                </a:pPr>
-                <a:r>
-                  <a:rPr lang="en-US" sz="1600" b="1" dirty="0"/>
-                  <a:t>4</a:t>
-                </a:r>
-                <a:r>
-                  <a:rPr lang="en-US" sz="1600" dirty="0"/>
-                  <a:t>.Select a model with lowest generalization error. One possible way of doing things if there are several models with small generalization error - select “simplest” one</a:t>
-                </a:r>
-                <a:endParaRPr lang="ru-RU" sz="1600" dirty="0"/>
-              </a:p>
-              <a:p>
-                <a:pPr marL="118872" indent="0">
-                  <a:buNone/>
-                </a:pPr>
-                <a:endParaRPr lang="ru-RU" sz="1600" dirty="0"/>
-              </a:p>
-            </p:txBody>
-          </p:sp>
-        </mc:Choice>
-        <mc:Fallback xmlns="">
-          <p:sp>
-            <p:nvSpPr>
-              <p:cNvPr id="3" name="Объект 2"/>
-              <p:cNvSpPr>
-                <a:spLocks noGrp="1" noRot="1" noChangeAspect="1" noMove="1" noResize="1" noEditPoints="1" noAdjustHandles="1" noChangeArrowheads="1" noChangeShapeType="1" noTextEdit="1"/>
-              </p:cNvSpPr>
-              <p:nvPr>
-                <p:ph idx="1"/>
-              </p:nvPr>
-            </p:nvSpPr>
-            <p:spPr>
-              <a:blipFill rotWithShape="1">
-                <a:blip r:embed="rId2"/>
-                <a:stretch>
-                  <a:fillRect r="-222" b="-659"/>
-                </a:stretch>
-              </a:blipFill>
-            </p:spPr>
-            <p:txBody>
-              <a:bodyPr/>
-              <a:lstStyle/>
-              <a:p>
-                <a:r>
-                  <a:rPr lang="ru-RU">
-                    <a:noFill/>
-                  </a:rPr>
-                  <a:t> </a:t>
-                </a:r>
-              </a:p>
-            </p:txBody>
-          </p:sp>
-        </mc:Fallback>
-      </mc:AlternateContent>
-      <p:sp>
-        <p:nvSpPr>
-          <p:cNvPr id="4" name="Номер слайда 3"/>
-          <p:cNvSpPr>
-            <a:spLocks noGrp="1"/>
-          </p:cNvSpPr>
-          <p:nvPr>
-            <p:ph type="sldNum" sz="quarter" idx="12"/>
-          </p:nvPr>
-        </p:nvSpPr>
-        <p:spPr/>
-        <p:txBody>
-          <a:bodyPr/>
-          <a:lstStyle/>
-          <a:p>
-            <a:fld id="{C453EA42-BA89-4D45-B3D1-7EC11C308921}" type="slidenum">
-              <a:rPr lang="ru-RU" smtClean="0"/>
-              <a:t>13</a:t>
-            </a:fld>
-            <a:endParaRPr lang="ru-RU"/>
-          </a:p>
-        </p:txBody>
-      </p:sp>
-    </p:spTree>
-    <p:extLst>
-      <p:ext uri="{BB962C8B-B14F-4D97-AF65-F5344CB8AC3E}">
-        <p14:creationId xmlns:p14="http://schemas.microsoft.com/office/powerpoint/2010/main" val="1933187794"/>
       </p:ext>
     </p:extLst>
   </p:cSld>
